--- a/02-ux-design-process/week1/Porfolio-project1-persona/Porfolio-Project-Persona.pptx
+++ b/02-ux-design-process/week1/Porfolio-project1-persona/Porfolio-Project-Persona.pptx
@@ -45,7 +45,7 @@
         <p:txBody>
           <a:bodyPr/>
           <a:p>
-            <a:fld id="{37BB80C2-6D71-4F80-8DDA-47E5731B22C9}" type="slidenum">
+            <a:fld id="{6E0C3BF4-5706-4153-BEB6-A13B0656E07B}" type="slidenum">
               <a:t>&lt;#&gt;</a:t>
             </a:fld>
           </a:p>
@@ -213,7 +213,7 @@
         <p:txBody>
           <a:bodyPr/>
           <a:p>
-            <a:fld id="{384A87AE-C7D6-42A7-BA56-90DB801E5D08}" type="slidenum">
+            <a:fld id="{C0978F5E-3268-479A-8447-265F57FB2E36}" type="slidenum">
               <a:t>&lt;#&gt;</a:t>
             </a:fld>
           </a:p>
@@ -467,7 +467,7 @@
         <p:txBody>
           <a:bodyPr/>
           <a:p>
-            <a:fld id="{BB488063-2E5E-4095-966C-682649F3F2FF}" type="slidenum">
+            <a:fld id="{4FA7BB5D-9E2E-4700-9778-449BEAAD8C53}" type="slidenum">
               <a:t>&lt;#&gt;</a:t>
             </a:fld>
           </a:p>
@@ -807,7 +807,7 @@
         <p:txBody>
           <a:bodyPr/>
           <a:p>
-            <a:fld id="{C8E77CBD-FB0D-4AEF-85F5-DE7F9951FA8B}" type="slidenum">
+            <a:fld id="{7CD978E6-2E5D-436A-8A3D-5F460A2245D9}" type="slidenum">
               <a:t>&lt;#&gt;</a:t>
             </a:fld>
           </a:p>
@@ -849,7 +849,7 @@
         <p:txBody>
           <a:bodyPr/>
           <a:p>
-            <a:fld id="{B85BF872-C951-4EEE-8CC1-50E1F5874B8C}" type="slidenum">
+            <a:fld id="{A7327D2E-1262-42D0-ABC3-6C6323186DCC}" type="slidenum">
               <a:t>&lt;#&gt;</a:t>
             </a:fld>
           </a:p>
@@ -971,7 +971,7 @@
         <p:txBody>
           <a:bodyPr/>
           <a:p>
-            <a:fld id="{B51FA4BC-7BA0-4C07-BAAC-872562011D36}" type="slidenum">
+            <a:fld id="{8C930DF9-91C4-431A-9D6D-22163392C53D}" type="slidenum">
               <a:t>&lt;#&gt;</a:t>
             </a:fld>
           </a:p>
@@ -1096,7 +1096,7 @@
         <p:txBody>
           <a:bodyPr/>
           <a:p>
-            <a:fld id="{92C6C07E-3DB4-451D-8BFC-B978A35637F1}" type="slidenum">
+            <a:fld id="{535056BC-B159-4205-B23E-527FE5BFCFEE}" type="slidenum">
               <a:t>&lt;#&gt;</a:t>
             </a:fld>
           </a:p>
@@ -1264,7 +1264,7 @@
         <p:txBody>
           <a:bodyPr/>
           <a:p>
-            <a:fld id="{4304DB56-A243-47EC-9F4D-E83AB0F05307}" type="slidenum">
+            <a:fld id="{36D56FCF-8122-429B-B7BA-BA2190F0FD28}" type="slidenum">
               <a:t>&lt;#&gt;</a:t>
             </a:fld>
           </a:p>
@@ -1346,7 +1346,7 @@
         <p:txBody>
           <a:bodyPr/>
           <a:p>
-            <a:fld id="{1182003A-A93E-4987-B755-97B00299F6F5}" type="slidenum">
+            <a:fld id="{76D52397-81E8-4BC8-9E1B-B614E8E5D447}" type="slidenum">
               <a:t>&lt;#&gt;</a:t>
             </a:fld>
           </a:p>
@@ -1426,7 +1426,7 @@
         <p:txBody>
           <a:bodyPr/>
           <a:p>
-            <a:fld id="{8C388506-BA7E-4500-8F45-3584F9EB272D}" type="slidenum">
+            <a:fld id="{CB5AF7D4-2B2F-43C8-9802-1654A49FC93C}" type="slidenum">
               <a:t>&lt;#&gt;</a:t>
             </a:fld>
           </a:p>
@@ -1637,7 +1637,7 @@
         <p:txBody>
           <a:bodyPr/>
           <a:p>
-            <a:fld id="{1DA915FA-3FEF-4C9C-9DBF-09F780F19BC9}" type="slidenum">
+            <a:fld id="{7881B5D9-7ED2-45FE-881F-A593C07E9A00}" type="slidenum">
               <a:t>&lt;#&gt;</a:t>
             </a:fld>
           </a:p>
@@ -1759,7 +1759,7 @@
         <p:txBody>
           <a:bodyPr/>
           <a:p>
-            <a:fld id="{D4459A66-F111-4297-90EE-F2EC070066A1}" type="slidenum">
+            <a:fld id="{964743EA-C8A0-4A16-954D-4DEC666428DF}" type="slidenum">
               <a:t>&lt;#&gt;</a:t>
             </a:fld>
           </a:p>
@@ -1970,7 +1970,7 @@
         <p:txBody>
           <a:bodyPr/>
           <a:p>
-            <a:fld id="{51CE8135-F0A1-405F-86AC-9A98B838114B}" type="slidenum">
+            <a:fld id="{1DA9EC56-3260-4894-AAEB-9A0BBE510597}" type="slidenum">
               <a:t>&lt;#&gt;</a:t>
             </a:fld>
           </a:p>
@@ -2181,7 +2181,7 @@
         <p:txBody>
           <a:bodyPr/>
           <a:p>
-            <a:fld id="{1547633B-2663-47D6-A1B9-B999DCE6E154}" type="slidenum">
+            <a:fld id="{EDF8AEFE-9EC9-4816-B214-B21CF7C12C6B}" type="slidenum">
               <a:t>&lt;#&gt;</a:t>
             </a:fld>
           </a:p>
@@ -2349,7 +2349,7 @@
         <p:txBody>
           <a:bodyPr/>
           <a:p>
-            <a:fld id="{5BA89122-7088-40B7-8C5A-48D9913B110A}" type="slidenum">
+            <a:fld id="{2B1427F8-F2F3-44E6-95AD-ED78A3ED04CB}" type="slidenum">
               <a:t>&lt;#&gt;</a:t>
             </a:fld>
           </a:p>
@@ -2603,7 +2603,7 @@
         <p:txBody>
           <a:bodyPr/>
           <a:p>
-            <a:fld id="{29013459-0944-4A18-8551-61B162E11940}" type="slidenum">
+            <a:fld id="{779D25D2-A030-48E0-A46D-B076F19C5D65}" type="slidenum">
               <a:t>&lt;#&gt;</a:t>
             </a:fld>
           </a:p>
@@ -2943,7 +2943,7 @@
         <p:txBody>
           <a:bodyPr/>
           <a:p>
-            <a:fld id="{C8399300-AA11-4BF2-A888-51225201B897}" type="slidenum">
+            <a:fld id="{FF625C11-F419-49D0-B1AA-72325A16E3F6}" type="slidenum">
               <a:t>&lt;#&gt;</a:t>
             </a:fld>
           </a:p>
@@ -3068,7 +3068,7 @@
         <p:txBody>
           <a:bodyPr/>
           <a:p>
-            <a:fld id="{50F682CF-42D1-4901-9903-8964AB867CC5}" type="slidenum">
+            <a:fld id="{B8346A8D-2F71-4AD0-B355-D3BD6693BFC3}" type="slidenum">
               <a:t>&lt;#&gt;</a:t>
             </a:fld>
           </a:p>
@@ -3236,7 +3236,7 @@
         <p:txBody>
           <a:bodyPr/>
           <a:p>
-            <a:fld id="{524358D6-504B-40C1-B254-888597AD07E1}" type="slidenum">
+            <a:fld id="{69E97D09-7E41-4281-9CDB-22D351659541}" type="slidenum">
               <a:t>&lt;#&gt;</a:t>
             </a:fld>
           </a:p>
@@ -3318,7 +3318,7 @@
         <p:txBody>
           <a:bodyPr/>
           <a:p>
-            <a:fld id="{712955D1-24AE-4F36-B3C6-912DD2CFBC3B}" type="slidenum">
+            <a:fld id="{B7DFC364-C689-4E7D-AEF9-CBA002A06F74}" type="slidenum">
               <a:t>&lt;#&gt;</a:t>
             </a:fld>
           </a:p>
@@ -3398,7 +3398,7 @@
         <p:txBody>
           <a:bodyPr/>
           <a:p>
-            <a:fld id="{A022B262-17FB-4C50-95AE-44449383B118}" type="slidenum">
+            <a:fld id="{AA65F0AE-1C45-4CF3-970A-C68D61B47563}" type="slidenum">
               <a:t>&lt;#&gt;</a:t>
             </a:fld>
           </a:p>
@@ -3609,7 +3609,7 @@
         <p:txBody>
           <a:bodyPr/>
           <a:p>
-            <a:fld id="{080EDF3A-DBE4-4AEC-A1DC-93678AB1B557}" type="slidenum">
+            <a:fld id="{C07E24F4-306E-46A7-8F2D-A771E6286248}" type="slidenum">
               <a:t>&lt;#&gt;</a:t>
             </a:fld>
           </a:p>
@@ -3820,7 +3820,7 @@
         <p:txBody>
           <a:bodyPr/>
           <a:p>
-            <a:fld id="{E3EE0B00-1026-4FE7-A5A5-EEB940A5DDE5}" type="slidenum">
+            <a:fld id="{69447566-E505-4FFC-9B94-65BA482ADF5C}" type="slidenum">
               <a:t>&lt;#&gt;</a:t>
             </a:fld>
           </a:p>
@@ -4031,7 +4031,7 @@
         <p:txBody>
           <a:bodyPr/>
           <a:p>
-            <a:fld id="{CFF4DB5B-F8B4-43B7-B0EC-866E7D753D8E}" type="slidenum">
+            <a:fld id="{FDD4AF12-7C6C-4F87-96EC-D1243DEC8B25}" type="slidenum">
               <a:t>&lt;#&gt;</a:t>
             </a:fld>
           </a:p>
@@ -4079,7 +4079,7 @@
         <p:spPr>
           <a:xfrm>
             <a:off x="8472600" y="4663080"/>
-            <a:ext cx="547200" cy="392040"/>
+            <a:ext cx="546840" cy="391680"/>
           </a:xfrm>
           <a:prstGeom prst="rect">
             <a:avLst/>
@@ -4121,7 +4121,7 @@
                 <a:tab algn="l" pos="0"/>
               </a:tabLst>
             </a:pPr>
-            <a:fld id="{769534FE-DFD4-4070-AF54-009195AE69EF}" type="slidenum">
+            <a:fld id="{3BE4B562-E746-4251-99E0-50531D66BFB1}" type="slidenum">
               <a:rPr b="0" lang="en" sz="1000" spc="-1" strike="noStrike">
                 <a:solidFill>
                   <a:schemeClr val="dk2"/>
@@ -4178,70 +4178,7 @@
                 </a:solidFill>
                 <a:latin typeface="Arial"/>
               </a:rPr>
-              <a:t>Click </a:t>
-            </a:r>
-            <a:r>
-              <a:rPr b="0" lang="en-US" sz="4400" spc="-1" strike="noStrike">
-                <a:solidFill>
-                  <a:srgbClr val="000000"/>
-                </a:solidFill>
-                <a:latin typeface="Arial"/>
-              </a:rPr>
-              <a:t>to </a:t>
-            </a:r>
-            <a:r>
-              <a:rPr b="0" lang="en-US" sz="4400" spc="-1" strike="noStrike">
-                <a:solidFill>
-                  <a:srgbClr val="000000"/>
-                </a:solidFill>
-                <a:latin typeface="Arial"/>
-              </a:rPr>
-              <a:t>edit </a:t>
-            </a:r>
-            <a:r>
-              <a:rPr b="0" lang="en-US" sz="4400" spc="-1" strike="noStrike">
-                <a:solidFill>
-                  <a:srgbClr val="000000"/>
-                </a:solidFill>
-                <a:latin typeface="Arial"/>
-              </a:rPr>
-              <a:t>the </a:t>
-            </a:r>
-            <a:r>
-              <a:rPr b="0" lang="en-US" sz="4400" spc="-1" strike="noStrike">
-                <a:solidFill>
-                  <a:srgbClr val="000000"/>
-                </a:solidFill>
-                <a:latin typeface="Arial"/>
-              </a:rPr>
-              <a:t>title </a:t>
-            </a:r>
-            <a:r>
-              <a:rPr b="0" lang="en-US" sz="4400" spc="-1" strike="noStrike">
-                <a:solidFill>
-                  <a:srgbClr val="000000"/>
-                </a:solidFill>
-                <a:latin typeface="Arial"/>
-              </a:rPr>
-              <a:t>text </a:t>
-            </a:r>
-            <a:r>
-              <a:rPr b="0" lang="en-US" sz="4400" spc="-1" strike="noStrike">
-                <a:solidFill>
-                  <a:srgbClr val="000000"/>
-                </a:solidFill>
-                <a:latin typeface="Arial"/>
-              </a:rPr>
-              <a:t>forma</a:t>
-            </a:r>
-            <a:r>
-              <a:rPr b="0" lang="en-US" sz="4400" spc="-1" strike="noStrike">
-                <a:solidFill>
-                  <a:srgbClr val="000000"/>
-                </a:solidFill>
-                <a:latin typeface="Arial"/>
-              </a:rPr>
-              <a:t>t</a:t>
+              <a:t>Click to edit the title text format</a:t>
             </a:r>
             <a:endParaRPr b="0" lang="en-US" sz="4400" spc="-1" strike="noStrike">
               <a:solidFill>
@@ -4534,7 +4471,7 @@
         <p:spPr>
           <a:xfrm>
             <a:off x="8472600" y="4663080"/>
-            <a:ext cx="547200" cy="392040"/>
+            <a:ext cx="546840" cy="391680"/>
           </a:xfrm>
           <a:prstGeom prst="rect">
             <a:avLst/>
@@ -4576,7 +4513,7 @@
                 <a:tab algn="l" pos="0"/>
               </a:tabLst>
             </a:pPr>
-            <a:fld id="{85640A17-4557-48E2-9525-CCE4C023DB0B}" type="slidenum">
+            <a:fld id="{34526F66-EFB2-4AED-AA3F-9B07F833D49E}" type="slidenum">
               <a:rPr b="0" lang="en" sz="1000" spc="-1" strike="noStrike">
                 <a:solidFill>
                   <a:schemeClr val="dk2"/>
@@ -4633,34 +4570,7 @@
                 </a:solidFill>
                 <a:latin typeface="Arial"/>
               </a:rPr>
-              <a:t>Click to </a:t>
-            </a:r>
-            <a:r>
-              <a:rPr b="0" lang="en-US" sz="4400" spc="-1" strike="noStrike">
-                <a:solidFill>
-                  <a:srgbClr val="000000"/>
-                </a:solidFill>
-                <a:latin typeface="Arial"/>
-              </a:rPr>
-              <a:t>edit the </a:t>
-            </a:r>
-            <a:r>
-              <a:rPr b="0" lang="en-US" sz="4400" spc="-1" strike="noStrike">
-                <a:solidFill>
-                  <a:srgbClr val="000000"/>
-                </a:solidFill>
-                <a:latin typeface="Arial"/>
-              </a:rPr>
-              <a:t>title text </a:t>
-            </a:r>
-            <a:r>
-              <a:rPr b="0" lang="en-US" sz="4400" spc="-1" strike="noStrike">
-                <a:solidFill>
-                  <a:srgbClr val="000000"/>
-                </a:solidFill>
-                <a:latin typeface="Arial"/>
-              </a:rPr>
-              <a:t>format</a:t>
+              <a:t>Click to edit the title text format</a:t>
             </a:r>
             <a:endParaRPr b="0" lang="en-US" sz="4400" spc="-1" strike="noStrike">
               <a:solidFill>
@@ -4942,7 +4852,7 @@
         <p:spPr>
           <a:xfrm>
             <a:off x="451440" y="461160"/>
-            <a:ext cx="2756880" cy="2756880"/>
+            <a:ext cx="2756520" cy="2756520"/>
           </a:xfrm>
           <a:prstGeom prst="rect">
             <a:avLst/>
@@ -4995,7 +4905,7 @@
         <p:spPr>
           <a:xfrm>
             <a:off x="451440" y="3219480"/>
-            <a:ext cx="2756880" cy="469440"/>
+            <a:ext cx="2756520" cy="469080"/>
           </a:xfrm>
           <a:prstGeom prst="rect">
             <a:avLst/>
@@ -5052,7 +4962,7 @@
         <p:spPr>
           <a:xfrm>
             <a:off x="324000" y="3614400"/>
-            <a:ext cx="3103920" cy="1215720"/>
+            <a:ext cx="3103560" cy="1215360"/>
           </a:xfrm>
           <a:prstGeom prst="rect">
             <a:avLst/>
@@ -5279,7 +5189,7 @@
         <p:spPr>
           <a:xfrm>
             <a:off x="1707840" y="3614400"/>
-            <a:ext cx="1815840" cy="1215720"/>
+            <a:ext cx="1815480" cy="1215360"/>
           </a:xfrm>
           <a:prstGeom prst="rect">
             <a:avLst/>
@@ -5374,7 +5284,7 @@
         <p:spPr>
           <a:xfrm>
             <a:off x="3651480" y="461160"/>
-            <a:ext cx="5034240" cy="907200"/>
+            <a:ext cx="5033880" cy="906840"/>
           </a:xfrm>
           <a:prstGeom prst="rect">
             <a:avLst/>
@@ -5441,7 +5351,7 @@
         <p:spPr>
           <a:xfrm>
             <a:off x="3651480" y="1491840"/>
-            <a:ext cx="2521440" cy="1932480"/>
+            <a:ext cx="2521080" cy="1932120"/>
           </a:xfrm>
           <a:prstGeom prst="rect">
             <a:avLst/>
@@ -5550,7 +5460,38 @@
                 <a:latin typeface="Google Sans"/>
                 <a:ea typeface="Google Sans"/>
               </a:rPr>
-              <a:t>Stay fit and healthy.  </a:t>
+              <a:t>Stay fit and healthy.</a:t>
+            </a:r>
+            <a:endParaRPr b="0" lang="en-US" sz="1400" spc="-1" strike="noStrike">
+              <a:solidFill>
+                <a:srgbClr val="000000"/>
+              </a:solidFill>
+              <a:latin typeface="Arial"/>
+            </a:endParaRPr>
+          </a:p>
+          <a:p>
+            <a:pPr marL="457200" indent="-317520">
+              <a:lnSpc>
+                <a:spcPct val="100000"/>
+              </a:lnSpc>
+              <a:buClr>
+                <a:srgbClr val="000000"/>
+              </a:buClr>
+              <a:buFont typeface="Google Sans"/>
+              <a:buChar char="●"/>
+              <a:tabLst>
+                <a:tab algn="l" pos="0"/>
+              </a:tabLst>
+            </a:pPr>
+            <a:r>
+              <a:rPr b="0" lang="en" sz="1400" spc="-1" strike="noStrike">
+                <a:solidFill>
+                  <a:srgbClr val="000000"/>
+                </a:solidFill>
+                <a:latin typeface="Google Sans"/>
+                <a:ea typeface="Google Sans"/>
+              </a:rPr>
+              <a:t>Stay happy in times of depression.  </a:t>
             </a:r>
             <a:endParaRPr b="0" lang="en-US" sz="1400" spc="-1" strike="noStrike">
               <a:solidFill>
@@ -5570,7 +5511,7 @@
         <p:spPr>
           <a:xfrm>
             <a:off x="6326640" y="1491840"/>
-            <a:ext cx="2521440" cy="1932480"/>
+            <a:ext cx="2521080" cy="1932120"/>
           </a:xfrm>
           <a:prstGeom prst="rect">
             <a:avLst/>
@@ -5715,7 +5656,7 @@
         <p:spPr>
           <a:xfrm>
             <a:off x="3651480" y="3619800"/>
-            <a:ext cx="5196240" cy="1240920"/>
+            <a:ext cx="5195880" cy="1240560"/>
           </a:xfrm>
           <a:prstGeom prst="rect">
             <a:avLst/>
@@ -5775,7 +5716,7 @@
         <p:spPr>
           <a:xfrm>
             <a:off x="985320" y="1442160"/>
-            <a:ext cx="1664640" cy="795240"/>
+            <a:ext cx="1664280" cy="794880"/>
           </a:xfrm>
           <a:prstGeom prst="rect">
             <a:avLst/>
@@ -5836,7 +5777,7 @@
         <p:spPr>
           <a:xfrm>
             <a:off x="914400" y="555120"/>
-            <a:ext cx="1827720" cy="2590920"/>
+            <a:ext cx="1827360" cy="2590560"/>
           </a:xfrm>
           <a:prstGeom prst="rect">
             <a:avLst/>
@@ -5885,7 +5826,7 @@
         <p:spPr>
           <a:xfrm>
             <a:off x="451440" y="461160"/>
-            <a:ext cx="2756880" cy="2756880"/>
+            <a:ext cx="2756520" cy="2756520"/>
           </a:xfrm>
           <a:prstGeom prst="rect">
             <a:avLst/>
@@ -5911,6 +5852,11 @@
             <a:noAutofit/>
           </a:bodyPr>
           <a:p>
+            <a:pPr>
+              <a:lnSpc>
+                <a:spcPct val="100000"/>
+              </a:lnSpc>
+            </a:pPr>
             <a:endParaRPr b="0" lang="en-US" sz="1400" spc="-1" strike="noStrike">
               <a:solidFill>
                 <a:srgbClr val="000000"/>
@@ -5930,7 +5876,7 @@
         <p:spPr>
           <a:xfrm>
             <a:off x="451440" y="3219480"/>
-            <a:ext cx="2756880" cy="469440"/>
+            <a:ext cx="2756520" cy="469080"/>
           </a:xfrm>
           <a:prstGeom prst="rect">
             <a:avLst/>
@@ -5987,7 +5933,7 @@
         <p:spPr>
           <a:xfrm>
             <a:off x="324000" y="3614400"/>
-            <a:ext cx="3103920" cy="1215720"/>
+            <a:ext cx="3103560" cy="1215360"/>
           </a:xfrm>
           <a:prstGeom prst="rect">
             <a:avLst/>
@@ -6254,7 +6200,7 @@
         <p:spPr>
           <a:xfrm>
             <a:off x="1707840" y="3614400"/>
-            <a:ext cx="1815840" cy="1215720"/>
+            <a:ext cx="1815480" cy="1215360"/>
           </a:xfrm>
           <a:prstGeom prst="rect">
             <a:avLst/>
@@ -6349,7 +6295,7 @@
         <p:spPr>
           <a:xfrm>
             <a:off x="3651480" y="461160"/>
-            <a:ext cx="5034240" cy="907200"/>
+            <a:ext cx="5033880" cy="906840"/>
           </a:xfrm>
           <a:prstGeom prst="rect">
             <a:avLst/>
@@ -6416,7 +6362,7 @@
         <p:spPr>
           <a:xfrm>
             <a:off x="3651480" y="1383840"/>
-            <a:ext cx="2521440" cy="1932480"/>
+            <a:ext cx="2521080" cy="1932120"/>
           </a:xfrm>
           <a:prstGeom prst="rect">
             <a:avLst/>
@@ -6545,7 +6491,7 @@
         <p:spPr>
           <a:xfrm>
             <a:off x="6326640" y="1383840"/>
-            <a:ext cx="2521440" cy="1932480"/>
+            <a:ext cx="2521080" cy="1932120"/>
           </a:xfrm>
           <a:prstGeom prst="rect">
             <a:avLst/>
@@ -6721,7 +6667,7 @@
         <p:spPr>
           <a:xfrm>
             <a:off x="3651480" y="3547800"/>
-            <a:ext cx="5196240" cy="1240920"/>
+            <a:ext cx="5195880" cy="1240560"/>
           </a:xfrm>
           <a:prstGeom prst="rect">
             <a:avLst/>
@@ -6781,7 +6727,7 @@
         <p:spPr>
           <a:xfrm>
             <a:off x="985320" y="1442160"/>
-            <a:ext cx="1664640" cy="795240"/>
+            <a:ext cx="1664280" cy="794880"/>
           </a:xfrm>
           <a:prstGeom prst="rect">
             <a:avLst/>
@@ -6842,7 +6788,7 @@
         <p:spPr>
           <a:xfrm>
             <a:off x="685800" y="659880"/>
-            <a:ext cx="2284920" cy="2337120"/>
+            <a:ext cx="2284560" cy="2336760"/>
           </a:xfrm>
           <a:prstGeom prst="rect">
             <a:avLst/>
@@ -7073,10 +7019,10 @@
   <a:themeElements>
     <a:clrScheme name="Office">
       <a:dk1>
-        <a:sysClr val="windowText" lastClr="000000"/>
+        <a:srgbClr val="000000"/>
       </a:dk1>
       <a:lt1>
-        <a:sysClr val="window" lastClr="FFFFFF"/>
+        <a:srgbClr val="ffffff"/>
       </a:lt1>
       <a:dk2>
         <a:srgbClr val="595959"/>

--- a/02-ux-design-process/week1/Porfolio-project1-persona/Porfolio-Project-Persona.pptx
+++ b/02-ux-design-process/week1/Porfolio-project1-persona/Porfolio-Project-Persona.pptx
@@ -45,7 +45,7 @@
         <p:txBody>
           <a:bodyPr/>
           <a:p>
-            <a:fld id="{6E0C3BF4-5706-4153-BEB6-A13B0656E07B}" type="slidenum">
+            <a:fld id="{D3F37F4A-89AC-4513-917F-DE77A4082358}" type="slidenum">
               <a:t>&lt;#&gt;</a:t>
             </a:fld>
           </a:p>
@@ -213,7 +213,7 @@
         <p:txBody>
           <a:bodyPr/>
           <a:p>
-            <a:fld id="{C0978F5E-3268-479A-8447-265F57FB2E36}" type="slidenum">
+            <a:fld id="{B5030E03-438A-458B-9B22-DE87205217BE}" type="slidenum">
               <a:t>&lt;#&gt;</a:t>
             </a:fld>
           </a:p>
@@ -467,7 +467,7 @@
         <p:txBody>
           <a:bodyPr/>
           <a:p>
-            <a:fld id="{4FA7BB5D-9E2E-4700-9778-449BEAAD8C53}" type="slidenum">
+            <a:fld id="{7C86CC23-7E26-47F7-9739-61FD1F171544}" type="slidenum">
               <a:t>&lt;#&gt;</a:t>
             </a:fld>
           </a:p>
@@ -807,7 +807,7 @@
         <p:txBody>
           <a:bodyPr/>
           <a:p>
-            <a:fld id="{7CD978E6-2E5D-436A-8A3D-5F460A2245D9}" type="slidenum">
+            <a:fld id="{A8662A38-6F3D-4CCB-8C64-69706B6DA8A9}" type="slidenum">
               <a:t>&lt;#&gt;</a:t>
             </a:fld>
           </a:p>
@@ -849,7 +849,7 @@
         <p:txBody>
           <a:bodyPr/>
           <a:p>
-            <a:fld id="{A7327D2E-1262-42D0-ABC3-6C6323186DCC}" type="slidenum">
+            <a:fld id="{F6B6331D-1D76-42F4-9EA0-197556AC714E}" type="slidenum">
               <a:t>&lt;#&gt;</a:t>
             </a:fld>
           </a:p>
@@ -971,7 +971,7 @@
         <p:txBody>
           <a:bodyPr/>
           <a:p>
-            <a:fld id="{8C930DF9-91C4-431A-9D6D-22163392C53D}" type="slidenum">
+            <a:fld id="{07BAB186-F5EA-4C8C-8D83-804A5F051827}" type="slidenum">
               <a:t>&lt;#&gt;</a:t>
             </a:fld>
           </a:p>
@@ -1096,7 +1096,7 @@
         <p:txBody>
           <a:bodyPr/>
           <a:p>
-            <a:fld id="{535056BC-B159-4205-B23E-527FE5BFCFEE}" type="slidenum">
+            <a:fld id="{8472B923-7611-40D4-A771-8C159092BDDE}" type="slidenum">
               <a:t>&lt;#&gt;</a:t>
             </a:fld>
           </a:p>
@@ -1264,7 +1264,7 @@
         <p:txBody>
           <a:bodyPr/>
           <a:p>
-            <a:fld id="{36D56FCF-8122-429B-B7BA-BA2190F0FD28}" type="slidenum">
+            <a:fld id="{7E3B6446-46CA-4A38-A43E-4D86C805CC7C}" type="slidenum">
               <a:t>&lt;#&gt;</a:t>
             </a:fld>
           </a:p>
@@ -1346,7 +1346,7 @@
         <p:txBody>
           <a:bodyPr/>
           <a:p>
-            <a:fld id="{76D52397-81E8-4BC8-9E1B-B614E8E5D447}" type="slidenum">
+            <a:fld id="{AAAE690E-C7F6-490F-A160-AE8446092069}" type="slidenum">
               <a:t>&lt;#&gt;</a:t>
             </a:fld>
           </a:p>
@@ -1426,7 +1426,7 @@
         <p:txBody>
           <a:bodyPr/>
           <a:p>
-            <a:fld id="{CB5AF7D4-2B2F-43C8-9802-1654A49FC93C}" type="slidenum">
+            <a:fld id="{05D7577E-38C2-42F3-8B36-BA907DC5B670}" type="slidenum">
               <a:t>&lt;#&gt;</a:t>
             </a:fld>
           </a:p>
@@ -1637,7 +1637,7 @@
         <p:txBody>
           <a:bodyPr/>
           <a:p>
-            <a:fld id="{7881B5D9-7ED2-45FE-881F-A593C07E9A00}" type="slidenum">
+            <a:fld id="{A2705524-4C3D-4338-9616-201F8F22AAE3}" type="slidenum">
               <a:t>&lt;#&gt;</a:t>
             </a:fld>
           </a:p>
@@ -1759,7 +1759,7 @@
         <p:txBody>
           <a:bodyPr/>
           <a:p>
-            <a:fld id="{964743EA-C8A0-4A16-954D-4DEC666428DF}" type="slidenum">
+            <a:fld id="{EF396A5D-A2B6-424E-8CCA-0AAB4FD9C64B}" type="slidenum">
               <a:t>&lt;#&gt;</a:t>
             </a:fld>
           </a:p>
@@ -1970,7 +1970,7 @@
         <p:txBody>
           <a:bodyPr/>
           <a:p>
-            <a:fld id="{1DA9EC56-3260-4894-AAEB-9A0BBE510597}" type="slidenum">
+            <a:fld id="{51927637-8D3B-4875-9FB9-FF84068D38D0}" type="slidenum">
               <a:t>&lt;#&gt;</a:t>
             </a:fld>
           </a:p>
@@ -2181,7 +2181,7 @@
         <p:txBody>
           <a:bodyPr/>
           <a:p>
-            <a:fld id="{EDF8AEFE-9EC9-4816-B214-B21CF7C12C6B}" type="slidenum">
+            <a:fld id="{7DA4B7A5-4204-4FF6-AF01-B879CBBF8624}" type="slidenum">
               <a:t>&lt;#&gt;</a:t>
             </a:fld>
           </a:p>
@@ -2349,7 +2349,7 @@
         <p:txBody>
           <a:bodyPr/>
           <a:p>
-            <a:fld id="{2B1427F8-F2F3-44E6-95AD-ED78A3ED04CB}" type="slidenum">
+            <a:fld id="{4FBFDE68-805A-46ED-8552-C2D700B96F8A}" type="slidenum">
               <a:t>&lt;#&gt;</a:t>
             </a:fld>
           </a:p>
@@ -2603,7 +2603,7 @@
         <p:txBody>
           <a:bodyPr/>
           <a:p>
-            <a:fld id="{779D25D2-A030-48E0-A46D-B076F19C5D65}" type="slidenum">
+            <a:fld id="{F70C07EB-425A-4E65-AF4D-5818412D0206}" type="slidenum">
               <a:t>&lt;#&gt;</a:t>
             </a:fld>
           </a:p>
@@ -2943,7 +2943,7 @@
         <p:txBody>
           <a:bodyPr/>
           <a:p>
-            <a:fld id="{FF625C11-F419-49D0-B1AA-72325A16E3F6}" type="slidenum">
+            <a:fld id="{A3FD8070-38F8-4C9F-9958-0ED44FC8AE4D}" type="slidenum">
               <a:t>&lt;#&gt;</a:t>
             </a:fld>
           </a:p>
@@ -3068,7 +3068,7 @@
         <p:txBody>
           <a:bodyPr/>
           <a:p>
-            <a:fld id="{B8346A8D-2F71-4AD0-B355-D3BD6693BFC3}" type="slidenum">
+            <a:fld id="{BAFA9DAD-B114-4358-8C17-A6591E101AE7}" type="slidenum">
               <a:t>&lt;#&gt;</a:t>
             </a:fld>
           </a:p>
@@ -3236,7 +3236,7 @@
         <p:txBody>
           <a:bodyPr/>
           <a:p>
-            <a:fld id="{69E97D09-7E41-4281-9CDB-22D351659541}" type="slidenum">
+            <a:fld id="{D445C7F8-C736-45FF-A24F-E631425A0DCB}" type="slidenum">
               <a:t>&lt;#&gt;</a:t>
             </a:fld>
           </a:p>
@@ -3318,7 +3318,7 @@
         <p:txBody>
           <a:bodyPr/>
           <a:p>
-            <a:fld id="{B7DFC364-C689-4E7D-AEF9-CBA002A06F74}" type="slidenum">
+            <a:fld id="{B16CABA6-CA45-405A-AEDA-938343C8B9CF}" type="slidenum">
               <a:t>&lt;#&gt;</a:t>
             </a:fld>
           </a:p>
@@ -3398,7 +3398,7 @@
         <p:txBody>
           <a:bodyPr/>
           <a:p>
-            <a:fld id="{AA65F0AE-1C45-4CF3-970A-C68D61B47563}" type="slidenum">
+            <a:fld id="{D4E099A1-3813-46E4-95C8-C1FCA2F3C207}" type="slidenum">
               <a:t>&lt;#&gt;</a:t>
             </a:fld>
           </a:p>
@@ -3609,7 +3609,7 @@
         <p:txBody>
           <a:bodyPr/>
           <a:p>
-            <a:fld id="{C07E24F4-306E-46A7-8F2D-A771E6286248}" type="slidenum">
+            <a:fld id="{27801D70-6206-42A5-A870-C777B72ACDAB}" type="slidenum">
               <a:t>&lt;#&gt;</a:t>
             </a:fld>
           </a:p>
@@ -3820,7 +3820,7 @@
         <p:txBody>
           <a:bodyPr/>
           <a:p>
-            <a:fld id="{69447566-E505-4FFC-9B94-65BA482ADF5C}" type="slidenum">
+            <a:fld id="{F5F3866E-5312-4D3D-834F-C58ED519B88B}" type="slidenum">
               <a:t>&lt;#&gt;</a:t>
             </a:fld>
           </a:p>
@@ -4031,7 +4031,7 @@
         <p:txBody>
           <a:bodyPr/>
           <a:p>
-            <a:fld id="{FDD4AF12-7C6C-4F87-96EC-D1243DEC8B25}" type="slidenum">
+            <a:fld id="{3D6234A8-A7C7-4373-8959-55E81B10F7D3}" type="slidenum">
               <a:t>&lt;#&gt;</a:t>
             </a:fld>
           </a:p>
@@ -4079,7 +4079,7 @@
         <p:spPr>
           <a:xfrm>
             <a:off x="8472600" y="4663080"/>
-            <a:ext cx="546840" cy="391680"/>
+            <a:ext cx="546480" cy="391320"/>
           </a:xfrm>
           <a:prstGeom prst="rect">
             <a:avLst/>
@@ -4121,7 +4121,7 @@
                 <a:tab algn="l" pos="0"/>
               </a:tabLst>
             </a:pPr>
-            <a:fld id="{3BE4B562-E746-4251-99E0-50531D66BFB1}" type="slidenum">
+            <a:fld id="{34892EFC-5B36-4953-975F-0A71A0EE92A9}" type="slidenum">
               <a:rPr b="0" lang="en" sz="1000" spc="-1" strike="noStrike">
                 <a:solidFill>
                   <a:schemeClr val="dk2"/>
@@ -4129,7 +4129,7 @@
                 <a:latin typeface="Arial"/>
                 <a:ea typeface="Arial"/>
               </a:rPr>
-              <a:t>&lt;number&gt;</a:t>
+              <a:t>2</a:t>
             </a:fld>
             <a:endParaRPr b="0" lang="en-US" sz="1000" spc="-1" strike="noStrike">
               <a:solidFill>
@@ -4471,7 +4471,7 @@
         <p:spPr>
           <a:xfrm>
             <a:off x="8472600" y="4663080"/>
-            <a:ext cx="546840" cy="391680"/>
+            <a:ext cx="546480" cy="391320"/>
           </a:xfrm>
           <a:prstGeom prst="rect">
             <a:avLst/>
@@ -4513,7 +4513,7 @@
                 <a:tab algn="l" pos="0"/>
               </a:tabLst>
             </a:pPr>
-            <a:fld id="{34526F66-EFB2-4AED-AA3F-9B07F833D49E}" type="slidenum">
+            <a:fld id="{6CDBB048-8503-4023-99A8-91B8AA1A7928}" type="slidenum">
               <a:rPr b="0" lang="en" sz="1000" spc="-1" strike="noStrike">
                 <a:solidFill>
                   <a:schemeClr val="dk2"/>
@@ -4521,7 +4521,7 @@
                 <a:latin typeface="Arial"/>
                 <a:ea typeface="Arial"/>
               </a:rPr>
-              <a:t>&lt;number&gt;</a:t>
+              <a:t>2</a:t>
             </a:fld>
             <a:endParaRPr b="0" lang="en-US" sz="1000" spc="-1" strike="noStrike">
               <a:solidFill>
@@ -4852,7 +4852,7 @@
         <p:spPr>
           <a:xfrm>
             <a:off x="451440" y="461160"/>
-            <a:ext cx="2756520" cy="2756520"/>
+            <a:ext cx="2756160" cy="2756160"/>
           </a:xfrm>
           <a:prstGeom prst="rect">
             <a:avLst/>
@@ -4905,7 +4905,7 @@
         <p:spPr>
           <a:xfrm>
             <a:off x="451440" y="3219480"/>
-            <a:ext cx="2756520" cy="469080"/>
+            <a:ext cx="2756160" cy="468720"/>
           </a:xfrm>
           <a:prstGeom prst="rect">
             <a:avLst/>
@@ -4962,7 +4962,7 @@
         <p:spPr>
           <a:xfrm>
             <a:off x="324000" y="3614400"/>
-            <a:ext cx="3103560" cy="1215360"/>
+            <a:ext cx="3103200" cy="1215000"/>
           </a:xfrm>
           <a:prstGeom prst="rect">
             <a:avLst/>
@@ -5189,7 +5189,7 @@
         <p:spPr>
           <a:xfrm>
             <a:off x="1707840" y="3614400"/>
-            <a:ext cx="1815480" cy="1215360"/>
+            <a:ext cx="1815120" cy="1215000"/>
           </a:xfrm>
           <a:prstGeom prst="rect">
             <a:avLst/>
@@ -5284,7 +5284,7 @@
         <p:spPr>
           <a:xfrm>
             <a:off x="3651480" y="461160"/>
-            <a:ext cx="5033880" cy="906840"/>
+            <a:ext cx="5033520" cy="906480"/>
           </a:xfrm>
           <a:prstGeom prst="rect">
             <a:avLst/>
@@ -5351,7 +5351,7 @@
         <p:spPr>
           <a:xfrm>
             <a:off x="3651480" y="1491840"/>
-            <a:ext cx="2521080" cy="1932120"/>
+            <a:ext cx="2520720" cy="1931760"/>
           </a:xfrm>
           <a:prstGeom prst="rect">
             <a:avLst/>
@@ -5511,7 +5511,7 @@
         <p:spPr>
           <a:xfrm>
             <a:off x="6326640" y="1491840"/>
-            <a:ext cx="2521080" cy="1932120"/>
+            <a:ext cx="2520720" cy="1931760"/>
           </a:xfrm>
           <a:prstGeom prst="rect">
             <a:avLst/>
@@ -5656,7 +5656,7 @@
         <p:spPr>
           <a:xfrm>
             <a:off x="3651480" y="3619800"/>
-            <a:ext cx="5195880" cy="1240560"/>
+            <a:ext cx="5195520" cy="1240200"/>
           </a:xfrm>
           <a:prstGeom prst="rect">
             <a:avLst/>
@@ -5716,7 +5716,7 @@
         <p:spPr>
           <a:xfrm>
             <a:off x="985320" y="1442160"/>
-            <a:ext cx="1664280" cy="794880"/>
+            <a:ext cx="1663920" cy="794520"/>
           </a:xfrm>
           <a:prstGeom prst="rect">
             <a:avLst/>
@@ -5777,7 +5777,7 @@
         <p:spPr>
           <a:xfrm>
             <a:off x="914400" y="555120"/>
-            <a:ext cx="1827360" cy="2590560"/>
+            <a:ext cx="1827000" cy="2590200"/>
           </a:xfrm>
           <a:prstGeom prst="rect">
             <a:avLst/>
@@ -5826,7 +5826,7 @@
         <p:spPr>
           <a:xfrm>
             <a:off x="451440" y="461160"/>
-            <a:ext cx="2756520" cy="2756520"/>
+            <a:ext cx="2756160" cy="2756160"/>
           </a:xfrm>
           <a:prstGeom prst="rect">
             <a:avLst/>
@@ -5876,7 +5876,7 @@
         <p:spPr>
           <a:xfrm>
             <a:off x="451440" y="3219480"/>
-            <a:ext cx="2756520" cy="469080"/>
+            <a:ext cx="2756160" cy="468720"/>
           </a:xfrm>
           <a:prstGeom prst="rect">
             <a:avLst/>
@@ -5933,7 +5933,7 @@
         <p:spPr>
           <a:xfrm>
             <a:off x="324000" y="3614400"/>
-            <a:ext cx="3103560" cy="1215360"/>
+            <a:ext cx="3103200" cy="1215000"/>
           </a:xfrm>
           <a:prstGeom prst="rect">
             <a:avLst/>
@@ -6200,7 +6200,7 @@
         <p:spPr>
           <a:xfrm>
             <a:off x="1707840" y="3614400"/>
-            <a:ext cx="1815480" cy="1215360"/>
+            <a:ext cx="1815120" cy="1215000"/>
           </a:xfrm>
           <a:prstGeom prst="rect">
             <a:avLst/>
@@ -6295,7 +6295,7 @@
         <p:spPr>
           <a:xfrm>
             <a:off x="3651480" y="461160"/>
-            <a:ext cx="5033880" cy="906840"/>
+            <a:ext cx="5033520" cy="906480"/>
           </a:xfrm>
           <a:prstGeom prst="rect">
             <a:avLst/>
@@ -6362,7 +6362,7 @@
         <p:spPr>
           <a:xfrm>
             <a:off x="3651480" y="1383840"/>
-            <a:ext cx="2521080" cy="1932120"/>
+            <a:ext cx="2520720" cy="1931760"/>
           </a:xfrm>
           <a:prstGeom prst="rect">
             <a:avLst/>
@@ -6491,7 +6491,7 @@
         <p:spPr>
           <a:xfrm>
             <a:off x="6326640" y="1383840"/>
-            <a:ext cx="2521080" cy="1932120"/>
+            <a:ext cx="2520720" cy="1931760"/>
           </a:xfrm>
           <a:prstGeom prst="rect">
             <a:avLst/>
@@ -6667,7 +6667,7 @@
         <p:spPr>
           <a:xfrm>
             <a:off x="3651480" y="3547800"/>
-            <a:ext cx="5195880" cy="1240560"/>
+            <a:ext cx="5195520" cy="1240200"/>
           </a:xfrm>
           <a:prstGeom prst="rect">
             <a:avLst/>
@@ -6727,7 +6727,7 @@
         <p:spPr>
           <a:xfrm>
             <a:off x="985320" y="1442160"/>
-            <a:ext cx="1664280" cy="794880"/>
+            <a:ext cx="1663920" cy="794520"/>
           </a:xfrm>
           <a:prstGeom prst="rect">
             <a:avLst/>
@@ -6788,7 +6788,7 @@
         <p:spPr>
           <a:xfrm>
             <a:off x="685800" y="659880"/>
-            <a:ext cx="2284560" cy="2336760"/>
+            <a:ext cx="2284200" cy="2336400"/>
           </a:xfrm>
           <a:prstGeom prst="rect">
             <a:avLst/>

--- a/02-ux-design-process/week1/Porfolio-project1-persona/Porfolio-Project-Persona.pptx
+++ b/02-ux-design-process/week1/Porfolio-project1-persona/Porfolio-Project-Persona.pptx
@@ -45,7 +45,7 @@
         <p:txBody>
           <a:bodyPr/>
           <a:p>
-            <a:fld id="{D3F37F4A-89AC-4513-917F-DE77A4082358}" type="slidenum">
+            <a:fld id="{B8FC7520-281B-4661-9115-548723C493BB}" type="slidenum">
               <a:t>&lt;#&gt;</a:t>
             </a:fld>
           </a:p>
@@ -213,7 +213,7 @@
         <p:txBody>
           <a:bodyPr/>
           <a:p>
-            <a:fld id="{B5030E03-438A-458B-9B22-DE87205217BE}" type="slidenum">
+            <a:fld id="{316B12FE-7E64-4F66-9E69-59A97263C830}" type="slidenum">
               <a:t>&lt;#&gt;</a:t>
             </a:fld>
           </a:p>
@@ -467,7 +467,7 @@
         <p:txBody>
           <a:bodyPr/>
           <a:p>
-            <a:fld id="{7C86CC23-7E26-47F7-9739-61FD1F171544}" type="slidenum">
+            <a:fld id="{68EE2C99-20C2-465C-9697-7FD521F4EF28}" type="slidenum">
               <a:t>&lt;#&gt;</a:t>
             </a:fld>
           </a:p>
@@ -807,7 +807,7 @@
         <p:txBody>
           <a:bodyPr/>
           <a:p>
-            <a:fld id="{A8662A38-6F3D-4CCB-8C64-69706B6DA8A9}" type="slidenum">
+            <a:fld id="{945A6D2E-38D4-4EF0-979B-6FC8C8A9D9F7}" type="slidenum">
               <a:t>&lt;#&gt;</a:t>
             </a:fld>
           </a:p>
@@ -849,7 +849,7 @@
         <p:txBody>
           <a:bodyPr/>
           <a:p>
-            <a:fld id="{F6B6331D-1D76-42F4-9EA0-197556AC714E}" type="slidenum">
+            <a:fld id="{8328FFA0-9D57-45A0-8B07-67E18DF715BF}" type="slidenum">
               <a:t>&lt;#&gt;</a:t>
             </a:fld>
           </a:p>
@@ -971,7 +971,7 @@
         <p:txBody>
           <a:bodyPr/>
           <a:p>
-            <a:fld id="{07BAB186-F5EA-4C8C-8D83-804A5F051827}" type="slidenum">
+            <a:fld id="{A6D831EE-2D0E-4EFA-8A2D-C405F7B95C0B}" type="slidenum">
               <a:t>&lt;#&gt;</a:t>
             </a:fld>
           </a:p>
@@ -1096,7 +1096,7 @@
         <p:txBody>
           <a:bodyPr/>
           <a:p>
-            <a:fld id="{8472B923-7611-40D4-A771-8C159092BDDE}" type="slidenum">
+            <a:fld id="{C545D545-31E0-43B0-B4E8-66D86B71090D}" type="slidenum">
               <a:t>&lt;#&gt;</a:t>
             </a:fld>
           </a:p>
@@ -1264,7 +1264,7 @@
         <p:txBody>
           <a:bodyPr/>
           <a:p>
-            <a:fld id="{7E3B6446-46CA-4A38-A43E-4D86C805CC7C}" type="slidenum">
+            <a:fld id="{E426C94F-08A1-4C45-B82E-036F664CA99B}" type="slidenum">
               <a:t>&lt;#&gt;</a:t>
             </a:fld>
           </a:p>
@@ -1346,7 +1346,7 @@
         <p:txBody>
           <a:bodyPr/>
           <a:p>
-            <a:fld id="{AAAE690E-C7F6-490F-A160-AE8446092069}" type="slidenum">
+            <a:fld id="{F54AC6DB-8CC2-4031-ADA0-E61B9408CB8B}" type="slidenum">
               <a:t>&lt;#&gt;</a:t>
             </a:fld>
           </a:p>
@@ -1426,7 +1426,7 @@
         <p:txBody>
           <a:bodyPr/>
           <a:p>
-            <a:fld id="{05D7577E-38C2-42F3-8B36-BA907DC5B670}" type="slidenum">
+            <a:fld id="{14093C0B-6EFC-4078-BEB8-236913F57DC6}" type="slidenum">
               <a:t>&lt;#&gt;</a:t>
             </a:fld>
           </a:p>
@@ -1637,7 +1637,7 @@
         <p:txBody>
           <a:bodyPr/>
           <a:p>
-            <a:fld id="{A2705524-4C3D-4338-9616-201F8F22AAE3}" type="slidenum">
+            <a:fld id="{3FFDEC10-1439-4075-9FA7-80A5A1CC7F99}" type="slidenum">
               <a:t>&lt;#&gt;</a:t>
             </a:fld>
           </a:p>
@@ -1759,7 +1759,7 @@
         <p:txBody>
           <a:bodyPr/>
           <a:p>
-            <a:fld id="{EF396A5D-A2B6-424E-8CCA-0AAB4FD9C64B}" type="slidenum">
+            <a:fld id="{74DCA611-17C1-42BC-B923-A24C01D42986}" type="slidenum">
               <a:t>&lt;#&gt;</a:t>
             </a:fld>
           </a:p>
@@ -1970,7 +1970,7 @@
         <p:txBody>
           <a:bodyPr/>
           <a:p>
-            <a:fld id="{51927637-8D3B-4875-9FB9-FF84068D38D0}" type="slidenum">
+            <a:fld id="{0CE05B1A-D0BC-4C5D-9220-225B4879869A}" type="slidenum">
               <a:t>&lt;#&gt;</a:t>
             </a:fld>
           </a:p>
@@ -2181,7 +2181,7 @@
         <p:txBody>
           <a:bodyPr/>
           <a:p>
-            <a:fld id="{7DA4B7A5-4204-4FF6-AF01-B879CBBF8624}" type="slidenum">
+            <a:fld id="{401465F5-C34F-4627-938B-B2E1D3426198}" type="slidenum">
               <a:t>&lt;#&gt;</a:t>
             </a:fld>
           </a:p>
@@ -2349,7 +2349,7 @@
         <p:txBody>
           <a:bodyPr/>
           <a:p>
-            <a:fld id="{4FBFDE68-805A-46ED-8552-C2D700B96F8A}" type="slidenum">
+            <a:fld id="{CFB9B5B2-2C05-42F7-869D-F8714F868DBE}" type="slidenum">
               <a:t>&lt;#&gt;</a:t>
             </a:fld>
           </a:p>
@@ -2603,7 +2603,7 @@
         <p:txBody>
           <a:bodyPr/>
           <a:p>
-            <a:fld id="{F70C07EB-425A-4E65-AF4D-5818412D0206}" type="slidenum">
+            <a:fld id="{A0C9F3DE-EF99-4FAE-8923-C3AA5E3197DD}" type="slidenum">
               <a:t>&lt;#&gt;</a:t>
             </a:fld>
           </a:p>
@@ -2943,7 +2943,7 @@
         <p:txBody>
           <a:bodyPr/>
           <a:p>
-            <a:fld id="{A3FD8070-38F8-4C9F-9958-0ED44FC8AE4D}" type="slidenum">
+            <a:fld id="{CB09042A-A950-4C00-9969-FA5F4CA9702C}" type="slidenum">
               <a:t>&lt;#&gt;</a:t>
             </a:fld>
           </a:p>
@@ -3068,7 +3068,7 @@
         <p:txBody>
           <a:bodyPr/>
           <a:p>
-            <a:fld id="{BAFA9DAD-B114-4358-8C17-A6591E101AE7}" type="slidenum">
+            <a:fld id="{39A4633F-D4A2-4319-B6BC-C3812823568D}" type="slidenum">
               <a:t>&lt;#&gt;</a:t>
             </a:fld>
           </a:p>
@@ -3236,7 +3236,7 @@
         <p:txBody>
           <a:bodyPr/>
           <a:p>
-            <a:fld id="{D445C7F8-C736-45FF-A24F-E631425A0DCB}" type="slidenum">
+            <a:fld id="{CD5E9B5D-FB51-4172-9A88-13B4CBD609D6}" type="slidenum">
               <a:t>&lt;#&gt;</a:t>
             </a:fld>
           </a:p>
@@ -3318,7 +3318,7 @@
         <p:txBody>
           <a:bodyPr/>
           <a:p>
-            <a:fld id="{B16CABA6-CA45-405A-AEDA-938343C8B9CF}" type="slidenum">
+            <a:fld id="{DCDE59AA-B99C-4D19-B07D-AC269EA814E2}" type="slidenum">
               <a:t>&lt;#&gt;</a:t>
             </a:fld>
           </a:p>
@@ -3398,7 +3398,7 @@
         <p:txBody>
           <a:bodyPr/>
           <a:p>
-            <a:fld id="{D4E099A1-3813-46E4-95C8-C1FCA2F3C207}" type="slidenum">
+            <a:fld id="{14859B06-8B27-4AD8-A7BE-8A4DF0161F29}" type="slidenum">
               <a:t>&lt;#&gt;</a:t>
             </a:fld>
           </a:p>
@@ -3609,7 +3609,7 @@
         <p:txBody>
           <a:bodyPr/>
           <a:p>
-            <a:fld id="{27801D70-6206-42A5-A870-C777B72ACDAB}" type="slidenum">
+            <a:fld id="{3A88300C-C016-4C67-A1FF-515131D126B7}" type="slidenum">
               <a:t>&lt;#&gt;</a:t>
             </a:fld>
           </a:p>
@@ -3820,7 +3820,7 @@
         <p:txBody>
           <a:bodyPr/>
           <a:p>
-            <a:fld id="{F5F3866E-5312-4D3D-834F-C58ED519B88B}" type="slidenum">
+            <a:fld id="{EE8F9390-4DB8-4CBB-8215-44F103F4A1D2}" type="slidenum">
               <a:t>&lt;#&gt;</a:t>
             </a:fld>
           </a:p>
@@ -4031,7 +4031,7 @@
         <p:txBody>
           <a:bodyPr/>
           <a:p>
-            <a:fld id="{3D6234A8-A7C7-4373-8959-55E81B10F7D3}" type="slidenum">
+            <a:fld id="{679FDF82-2B5B-45BC-8561-40456405C8EA}" type="slidenum">
               <a:t>&lt;#&gt;</a:t>
             </a:fld>
           </a:p>
@@ -4121,7 +4121,7 @@
                 <a:tab algn="l" pos="0"/>
               </a:tabLst>
             </a:pPr>
-            <a:fld id="{34892EFC-5B36-4953-975F-0A71A0EE92A9}" type="slidenum">
+            <a:fld id="{98AACD24-E3D3-4A69-B2F6-2FB7828EFF9F}" type="slidenum">
               <a:rPr b="0" lang="en" sz="1000" spc="-1" strike="noStrike">
                 <a:solidFill>
                   <a:schemeClr val="dk2"/>
@@ -4129,7 +4129,7 @@
                 <a:latin typeface="Arial"/>
                 <a:ea typeface="Arial"/>
               </a:rPr>
-              <a:t>2</a:t>
+              <a:t>&lt;number&gt;</a:t>
             </a:fld>
             <a:endParaRPr b="0" lang="en-US" sz="1000" spc="-1" strike="noStrike">
               <a:solidFill>
@@ -4513,7 +4513,7 @@
                 <a:tab algn="l" pos="0"/>
               </a:tabLst>
             </a:pPr>
-            <a:fld id="{6CDBB048-8503-4023-99A8-91B8AA1A7928}" type="slidenum">
+            <a:fld id="{ACA31634-7655-44DA-8732-0FB783594CC7}" type="slidenum">
               <a:rPr b="0" lang="en" sz="1000" spc="-1" strike="noStrike">
                 <a:solidFill>
                   <a:schemeClr val="dk2"/>
@@ -4521,7 +4521,7 @@
                 <a:latin typeface="Arial"/>
                 <a:ea typeface="Arial"/>
               </a:rPr>
-              <a:t>2</a:t>
+              <a:t>&lt;number&gt;</a:t>
             </a:fld>
             <a:endParaRPr b="0" lang="en-US" sz="1000" spc="-1" strike="noStrike">
               <a:solidFill>
